--- a/R’Montagne.pptx
+++ b/R’Montagne.pptx
@@ -6131,20 +6131,12 @@
           <a:p>
             <a:pPr lvl="1"/>
             <a:r>
-              <a:rPr lang="fr-FR" dirty="0" err="1" smtClean="0">
-                <a:solidFill>
-                  <a:schemeClr val="bg1"/>
-                </a:solidFill>
-              </a:rPr>
-              <a:t>Reponsable</a:t>
-            </a:r>
-            <a:r>
               <a:rPr lang="fr-FR" dirty="0" smtClean="0">
                 <a:solidFill>
                   <a:schemeClr val="bg1"/>
                 </a:solidFill>
               </a:rPr>
-              <a:t> : Gwenaël</a:t>
+              <a:t>Responsable : Gwenaël</a:t>
             </a:r>
             <a:br>
               <a:rPr lang="fr-FR" dirty="0" smtClean="0">
@@ -6256,7 +6248,12 @@
             <p:ph idx="1"/>
           </p:nvPr>
         </p:nvSpPr>
-        <p:spPr/>
+        <p:spPr>
+          <a:xfrm>
+            <a:off x="533400" y="533400"/>
+            <a:ext cx="6554867" cy="4149696"/>
+          </a:xfrm>
+        </p:spPr>
         <p:txBody>
           <a:bodyPr>
             <a:normAutofit lnSpcReduction="10000"/>
@@ -6417,6 +6414,17 @@
                 </a:solidFill>
               </a:rPr>
               <a:t> : ~150</a:t>
+            </a:r>
+          </a:p>
+          <a:p>
+            <a:pPr lvl="1"/>
+            <a:r>
+              <a:rPr lang="fr-FR" dirty="0" smtClean="0">
+                <a:solidFill>
+                  <a:schemeClr val="bg1"/>
+                </a:solidFill>
+              </a:rPr>
+              <a:t>Routage : ~300</a:t>
             </a:r>
             <a:endParaRPr lang="fr-FR" dirty="0">
               <a:solidFill>
@@ -6630,7 +6638,7 @@
                   <a:schemeClr val="bg1"/>
                 </a:solidFill>
               </a:rPr>
-              <a:t>6400€ brut coûtant par personne</a:t>
+              <a:t>6400€ brut coûtant par personne et par mois</a:t>
             </a:r>
           </a:p>
           <a:p>
@@ -6750,21 +6758,13 @@
         <p:spPr/>
         <p:txBody>
           <a:bodyPr>
-            <a:normAutofit fontScale="90000"/>
+            <a:normAutofit/>
           </a:bodyPr>
           <a:lstStyle/>
           <a:p>
             <a:r>
               <a:rPr lang="fr-FR" b="1" dirty="0" smtClean="0"/>
-              <a:t>Base de données (</a:t>
-            </a:r>
-            <a:r>
-              <a:rPr lang="fr-FR" b="1" dirty="0" err="1" smtClean="0"/>
-              <a:t>slide</a:t>
-            </a:r>
-            <a:r>
-              <a:rPr lang="fr-FR" b="1" dirty="0" smtClean="0"/>
-              <a:t> supplémentaire pour questions)</a:t>
+              <a:t>Base de données</a:t>
             </a:r>
             <a:endParaRPr lang="fr-FR" b="1" dirty="0"/>
           </a:p>
@@ -6870,7 +6870,7 @@
         </p:spPr>
         <p:txBody>
           <a:bodyPr>
-            <a:normAutofit/>
+            <a:normAutofit fontScale="92500" lnSpcReduction="10000"/>
           </a:bodyPr>
           <a:lstStyle/>
           <a:p>
@@ -6921,6 +6921,16 @@
                 </a:solidFill>
               </a:rPr>
               <a:t>Racine</a:t>
+            </a:r>
+          </a:p>
+          <a:p>
+            <a:r>
+              <a:rPr lang="fr-FR" dirty="0" smtClean="0">
+                <a:solidFill>
+                  <a:schemeClr val="bg1"/>
+                </a:solidFill>
+              </a:rPr>
+              <a:t>Serveur</a:t>
             </a:r>
           </a:p>
           <a:p>
@@ -7231,7 +7241,7 @@
           <a:p>
             <a:r>
               <a:rPr lang="fr-FR" b="1" dirty="0" smtClean="0"/>
-              <a:t>Produit proposé (Présentation orale)</a:t>
+              <a:t>Produit proposé</a:t>
             </a:r>
             <a:endParaRPr lang="fr-FR" b="1" dirty="0"/>
           </a:p>
@@ -8106,33 +8116,6 @@
       </p:sp>
       <p:pic>
         <p:nvPicPr>
-          <p:cNvPr id="4" name="Espace réservé du contenu 3"/>
-          <p:cNvPicPr>
-            <a:picLocks noGrp="1" noChangeAspect="1"/>
-          </p:cNvPicPr>
-          <p:nvPr>
-            <p:ph idx="1"/>
-          </p:nvPr>
-        </p:nvPicPr>
-        <p:blipFill rotWithShape="1">
-          <a:blip r:embed="rId2">
-            <a:extLst>
-              <a:ext uri="{28A0092B-C50C-407E-A947-70E740481C1C}">
-                <a14:useLocalDpi xmlns:a14="http://schemas.microsoft.com/office/drawing/2010/main" val="0"/>
-              </a:ext>
-            </a:extLst>
-          </a:blip>
-          <a:stretch/>
-        </p:blipFill>
-        <p:spPr>
-          <a:xfrm>
-            <a:off x="7293123" y="264452"/>
-            <a:ext cx="1533525" cy="2390775"/>
-          </a:xfrm>
-        </p:spPr>
-      </p:pic>
-      <p:pic>
-        <p:nvPicPr>
           <p:cNvPr id="6" name="Image 5"/>
           <p:cNvPicPr>
             <a:picLocks noChangeAspect="1"/>
@@ -8140,7 +8123,7 @@
           <p:nvPr/>
         </p:nvPicPr>
         <p:blipFill>
-          <a:blip r:embed="rId3" cstate="print">
+          <a:blip r:embed="rId2" cstate="print">
             <a:extLst>
               <a:ext uri="{28A0092B-C50C-407E-A947-70E740481C1C}">
                 <a14:useLocalDpi xmlns:a14="http://schemas.microsoft.com/office/drawing/2010/main" val="0"/>

--- a/R’Montagne.pptx
+++ b/R’Montagne.pptx
@@ -4,6 +4,9 @@
   <p:sldMasterIdLst>
     <p:sldMasterId id="2147483672" r:id="rId1"/>
   </p:sldMasterIdLst>
+  <p:notesMasterIdLst>
+    <p:notesMasterId r:id="rId18"/>
+  </p:notesMasterIdLst>
   <p:sldIdLst>
     <p:sldId id="256" r:id="rId2"/>
     <p:sldId id="257" r:id="rId3"/>
@@ -132,6 +135,440 @@
     </p:extLst>
   </p:cmAuthor>
 </p:cmAuthorLst>
+</file>
+
+<file path=ppt/notesMasters/notesMaster1.xml><?xml version="1.0" encoding="utf-8"?>
+<p:notesMaster xmlns:a="http://schemas.openxmlformats.org/drawingml/2006/main" xmlns:r="http://schemas.openxmlformats.org/officeDocument/2006/relationships" xmlns:p="http://schemas.openxmlformats.org/presentationml/2006/main">
+  <p:cSld>
+    <p:bg>
+      <p:bgRef idx="1001">
+        <a:schemeClr val="bg1"/>
+      </p:bgRef>
+    </p:bg>
+    <p:spTree>
+      <p:nvGrpSpPr>
+        <p:cNvPr id="1" name=""/>
+        <p:cNvGrpSpPr/>
+        <p:nvPr/>
+      </p:nvGrpSpPr>
+      <p:grpSpPr>
+        <a:xfrm>
+          <a:off x="0" y="0"/>
+          <a:ext cx="0" cy="0"/>
+          <a:chOff x="0" y="0"/>
+          <a:chExt cx="0" cy="0"/>
+        </a:xfrm>
+      </p:grpSpPr>
+      <p:sp>
+        <p:nvSpPr>
+          <p:cNvPr id="2" name="Espace réservé de l'en-tête 1"/>
+          <p:cNvSpPr>
+            <a:spLocks noGrp="1"/>
+          </p:cNvSpPr>
+          <p:nvPr>
+            <p:ph type="hdr" sz="quarter"/>
+          </p:nvPr>
+        </p:nvSpPr>
+        <p:spPr>
+          <a:xfrm>
+            <a:off x="0" y="0"/>
+            <a:ext cx="2971800" cy="458788"/>
+          </a:xfrm>
+          <a:prstGeom prst="rect">
+            <a:avLst/>
+          </a:prstGeom>
+        </p:spPr>
+        <p:txBody>
+          <a:bodyPr vert="horz" lIns="91440" tIns="45720" rIns="91440" bIns="45720" rtlCol="0"/>
+          <a:lstStyle>
+            <a:lvl1pPr algn="l">
+              <a:defRPr sz="1200"/>
+            </a:lvl1pPr>
+          </a:lstStyle>
+          <a:p>
+            <a:endParaRPr lang="fr-FR"/>
+          </a:p>
+        </p:txBody>
+      </p:sp>
+      <p:sp>
+        <p:nvSpPr>
+          <p:cNvPr id="3" name="Espace réservé de la date 2"/>
+          <p:cNvSpPr>
+            <a:spLocks noGrp="1"/>
+          </p:cNvSpPr>
+          <p:nvPr>
+            <p:ph type="dt" idx="1"/>
+          </p:nvPr>
+        </p:nvSpPr>
+        <p:spPr>
+          <a:xfrm>
+            <a:off x="3884613" y="0"/>
+            <a:ext cx="2971800" cy="458788"/>
+          </a:xfrm>
+          <a:prstGeom prst="rect">
+            <a:avLst/>
+          </a:prstGeom>
+        </p:spPr>
+        <p:txBody>
+          <a:bodyPr vert="horz" lIns="91440" tIns="45720" rIns="91440" bIns="45720" rtlCol="0"/>
+          <a:lstStyle>
+            <a:lvl1pPr algn="r">
+              <a:defRPr sz="1200"/>
+            </a:lvl1pPr>
+          </a:lstStyle>
+          <a:p>
+            <a:fld id="{C08BA6A4-B084-4DD4-8F14-6FBC012138B9}" type="datetimeFigureOut">
+              <a:rPr lang="fr-FR" smtClean="0"/>
+              <a:t>14/03/2018</a:t>
+            </a:fld>
+            <a:endParaRPr lang="fr-FR"/>
+          </a:p>
+        </p:txBody>
+      </p:sp>
+      <p:sp>
+        <p:nvSpPr>
+          <p:cNvPr id="4" name="Espace réservé de l'image des diapositives 3"/>
+          <p:cNvSpPr>
+            <a:spLocks noGrp="1" noRot="1" noChangeAspect="1"/>
+          </p:cNvSpPr>
+          <p:nvPr>
+            <p:ph type="sldImg" idx="2"/>
+          </p:nvPr>
+        </p:nvSpPr>
+        <p:spPr>
+          <a:xfrm>
+            <a:off x="1371600" y="1143000"/>
+            <a:ext cx="4114800" cy="3086100"/>
+          </a:xfrm>
+          <a:prstGeom prst="rect">
+            <a:avLst/>
+          </a:prstGeom>
+          <a:noFill/>
+          <a:ln w="12700">
+            <a:solidFill>
+              <a:prstClr val="black"/>
+            </a:solidFill>
+          </a:ln>
+        </p:spPr>
+        <p:txBody>
+          <a:bodyPr vert="horz" lIns="91440" tIns="45720" rIns="91440" bIns="45720" rtlCol="0" anchor="ctr"/>
+          <a:lstStyle/>
+          <a:p>
+            <a:endParaRPr lang="fr-FR"/>
+          </a:p>
+        </p:txBody>
+      </p:sp>
+      <p:sp>
+        <p:nvSpPr>
+          <p:cNvPr id="5" name="Espace réservé des commentaires 4"/>
+          <p:cNvSpPr>
+            <a:spLocks noGrp="1"/>
+          </p:cNvSpPr>
+          <p:nvPr>
+            <p:ph type="body" sz="quarter" idx="3"/>
+          </p:nvPr>
+        </p:nvSpPr>
+        <p:spPr>
+          <a:xfrm>
+            <a:off x="685800" y="4400550"/>
+            <a:ext cx="5486400" cy="3600450"/>
+          </a:xfrm>
+          <a:prstGeom prst="rect">
+            <a:avLst/>
+          </a:prstGeom>
+        </p:spPr>
+        <p:txBody>
+          <a:bodyPr vert="horz" lIns="91440" tIns="45720" rIns="91440" bIns="45720" rtlCol="0"/>
+          <a:lstStyle/>
+          <a:p>
+            <a:pPr lvl="0"/>
+            <a:r>
+              <a:rPr lang="fr-FR" smtClean="0"/>
+              <a:t>Modifiez les styles du texte du masque</a:t>
+            </a:r>
+          </a:p>
+          <a:p>
+            <a:pPr lvl="1"/>
+            <a:r>
+              <a:rPr lang="fr-FR" smtClean="0"/>
+              <a:t>Deuxième niveau</a:t>
+            </a:r>
+          </a:p>
+          <a:p>
+            <a:pPr lvl="2"/>
+            <a:r>
+              <a:rPr lang="fr-FR" smtClean="0"/>
+              <a:t>Troisième niveau</a:t>
+            </a:r>
+          </a:p>
+          <a:p>
+            <a:pPr lvl="3"/>
+            <a:r>
+              <a:rPr lang="fr-FR" smtClean="0"/>
+              <a:t>Quatrième niveau</a:t>
+            </a:r>
+          </a:p>
+          <a:p>
+            <a:pPr lvl="4"/>
+            <a:r>
+              <a:rPr lang="fr-FR" smtClean="0"/>
+              <a:t>Cinquième niveau</a:t>
+            </a:r>
+            <a:endParaRPr lang="fr-FR"/>
+          </a:p>
+        </p:txBody>
+      </p:sp>
+      <p:sp>
+        <p:nvSpPr>
+          <p:cNvPr id="6" name="Espace réservé du pied de page 5"/>
+          <p:cNvSpPr>
+            <a:spLocks noGrp="1"/>
+          </p:cNvSpPr>
+          <p:nvPr>
+            <p:ph type="ftr" sz="quarter" idx="4"/>
+          </p:nvPr>
+        </p:nvSpPr>
+        <p:spPr>
+          <a:xfrm>
+            <a:off x="0" y="8685213"/>
+            <a:ext cx="2971800" cy="458787"/>
+          </a:xfrm>
+          <a:prstGeom prst="rect">
+            <a:avLst/>
+          </a:prstGeom>
+        </p:spPr>
+        <p:txBody>
+          <a:bodyPr vert="horz" lIns="91440" tIns="45720" rIns="91440" bIns="45720" rtlCol="0" anchor="b"/>
+          <a:lstStyle>
+            <a:lvl1pPr algn="l">
+              <a:defRPr sz="1200"/>
+            </a:lvl1pPr>
+          </a:lstStyle>
+          <a:p>
+            <a:endParaRPr lang="fr-FR"/>
+          </a:p>
+        </p:txBody>
+      </p:sp>
+      <p:sp>
+        <p:nvSpPr>
+          <p:cNvPr id="7" name="Espace réservé du numéro de diapositive 6"/>
+          <p:cNvSpPr>
+            <a:spLocks noGrp="1"/>
+          </p:cNvSpPr>
+          <p:nvPr>
+            <p:ph type="sldNum" sz="quarter" idx="5"/>
+          </p:nvPr>
+        </p:nvSpPr>
+        <p:spPr>
+          <a:xfrm>
+            <a:off x="3884613" y="8685213"/>
+            <a:ext cx="2971800" cy="458787"/>
+          </a:xfrm>
+          <a:prstGeom prst="rect">
+            <a:avLst/>
+          </a:prstGeom>
+        </p:spPr>
+        <p:txBody>
+          <a:bodyPr vert="horz" lIns="91440" tIns="45720" rIns="91440" bIns="45720" rtlCol="0" anchor="b"/>
+          <a:lstStyle>
+            <a:lvl1pPr algn="r">
+              <a:defRPr sz="1200"/>
+            </a:lvl1pPr>
+          </a:lstStyle>
+          <a:p>
+            <a:fld id="{E3C635E7-19D6-4BEE-ADBD-2FFC2A8D448F}" type="slidenum">
+              <a:rPr lang="fr-FR" smtClean="0"/>
+              <a:t>‹N°›</a:t>
+            </a:fld>
+            <a:endParaRPr lang="fr-FR"/>
+          </a:p>
+        </p:txBody>
+      </p:sp>
+    </p:spTree>
+    <p:extLst>
+      <p:ext uri="{BB962C8B-B14F-4D97-AF65-F5344CB8AC3E}">
+        <p14:creationId xmlns:p14="http://schemas.microsoft.com/office/powerpoint/2010/main" val="1241036657"/>
+      </p:ext>
+    </p:extLst>
+  </p:cSld>
+  <p:clrMap bg1="lt1" tx1="dk1" bg2="lt2" tx2="dk2" accent1="accent1" accent2="accent2" accent3="accent3" accent4="accent4" accent5="accent5" accent6="accent6" hlink="hlink" folHlink="folHlink"/>
+  <p:notesStyle>
+    <a:lvl1pPr marL="0" algn="l" defTabSz="914400" rtl="0" eaLnBrk="1" latinLnBrk="0" hangingPunct="1">
+      <a:defRPr sz="1200" kern="1200">
+        <a:solidFill>
+          <a:schemeClr val="tx1"/>
+        </a:solidFill>
+        <a:latin typeface="+mn-lt"/>
+        <a:ea typeface="+mn-ea"/>
+        <a:cs typeface="+mn-cs"/>
+      </a:defRPr>
+    </a:lvl1pPr>
+    <a:lvl2pPr marL="457200" algn="l" defTabSz="914400" rtl="0" eaLnBrk="1" latinLnBrk="0" hangingPunct="1">
+      <a:defRPr sz="1200" kern="1200">
+        <a:solidFill>
+          <a:schemeClr val="tx1"/>
+        </a:solidFill>
+        <a:latin typeface="+mn-lt"/>
+        <a:ea typeface="+mn-ea"/>
+        <a:cs typeface="+mn-cs"/>
+      </a:defRPr>
+    </a:lvl2pPr>
+    <a:lvl3pPr marL="914400" algn="l" defTabSz="914400" rtl="0" eaLnBrk="1" latinLnBrk="0" hangingPunct="1">
+      <a:defRPr sz="1200" kern="1200">
+        <a:solidFill>
+          <a:schemeClr val="tx1"/>
+        </a:solidFill>
+        <a:latin typeface="+mn-lt"/>
+        <a:ea typeface="+mn-ea"/>
+        <a:cs typeface="+mn-cs"/>
+      </a:defRPr>
+    </a:lvl3pPr>
+    <a:lvl4pPr marL="1371600" algn="l" defTabSz="914400" rtl="0" eaLnBrk="1" latinLnBrk="0" hangingPunct="1">
+      <a:defRPr sz="1200" kern="1200">
+        <a:solidFill>
+          <a:schemeClr val="tx1"/>
+        </a:solidFill>
+        <a:latin typeface="+mn-lt"/>
+        <a:ea typeface="+mn-ea"/>
+        <a:cs typeface="+mn-cs"/>
+      </a:defRPr>
+    </a:lvl4pPr>
+    <a:lvl5pPr marL="1828800" algn="l" defTabSz="914400" rtl="0" eaLnBrk="1" latinLnBrk="0" hangingPunct="1">
+      <a:defRPr sz="1200" kern="1200">
+        <a:solidFill>
+          <a:schemeClr val="tx1"/>
+        </a:solidFill>
+        <a:latin typeface="+mn-lt"/>
+        <a:ea typeface="+mn-ea"/>
+        <a:cs typeface="+mn-cs"/>
+      </a:defRPr>
+    </a:lvl5pPr>
+    <a:lvl6pPr marL="2286000" algn="l" defTabSz="914400" rtl="0" eaLnBrk="1" latinLnBrk="0" hangingPunct="1">
+      <a:defRPr sz="1200" kern="1200">
+        <a:solidFill>
+          <a:schemeClr val="tx1"/>
+        </a:solidFill>
+        <a:latin typeface="+mn-lt"/>
+        <a:ea typeface="+mn-ea"/>
+        <a:cs typeface="+mn-cs"/>
+      </a:defRPr>
+    </a:lvl6pPr>
+    <a:lvl7pPr marL="2743200" algn="l" defTabSz="914400" rtl="0" eaLnBrk="1" latinLnBrk="0" hangingPunct="1">
+      <a:defRPr sz="1200" kern="1200">
+        <a:solidFill>
+          <a:schemeClr val="tx1"/>
+        </a:solidFill>
+        <a:latin typeface="+mn-lt"/>
+        <a:ea typeface="+mn-ea"/>
+        <a:cs typeface="+mn-cs"/>
+      </a:defRPr>
+    </a:lvl7pPr>
+    <a:lvl8pPr marL="3200400" algn="l" defTabSz="914400" rtl="0" eaLnBrk="1" latinLnBrk="0" hangingPunct="1">
+      <a:defRPr sz="1200" kern="1200">
+        <a:solidFill>
+          <a:schemeClr val="tx1"/>
+        </a:solidFill>
+        <a:latin typeface="+mn-lt"/>
+        <a:ea typeface="+mn-ea"/>
+        <a:cs typeface="+mn-cs"/>
+      </a:defRPr>
+    </a:lvl8pPr>
+    <a:lvl9pPr marL="3657600" algn="l" defTabSz="914400" rtl="0" eaLnBrk="1" latinLnBrk="0" hangingPunct="1">
+      <a:defRPr sz="1200" kern="1200">
+        <a:solidFill>
+          <a:schemeClr val="tx1"/>
+        </a:solidFill>
+        <a:latin typeface="+mn-lt"/>
+        <a:ea typeface="+mn-ea"/>
+        <a:cs typeface="+mn-cs"/>
+      </a:defRPr>
+    </a:lvl9pPr>
+  </p:notesStyle>
+</p:notesMaster>
+</file>
+
+<file path=ppt/notesSlides/notesSlide1.xml><?xml version="1.0" encoding="utf-8"?>
+<p:notes xmlns:a="http://schemas.openxmlformats.org/drawingml/2006/main" xmlns:r="http://schemas.openxmlformats.org/officeDocument/2006/relationships" xmlns:p="http://schemas.openxmlformats.org/presentationml/2006/main">
+  <p:cSld>
+    <p:spTree>
+      <p:nvGrpSpPr>
+        <p:cNvPr id="1" name=""/>
+        <p:cNvGrpSpPr/>
+        <p:nvPr/>
+      </p:nvGrpSpPr>
+      <p:grpSpPr>
+        <a:xfrm>
+          <a:off x="0" y="0"/>
+          <a:ext cx="0" cy="0"/>
+          <a:chOff x="0" y="0"/>
+          <a:chExt cx="0" cy="0"/>
+        </a:xfrm>
+      </p:grpSpPr>
+      <p:sp>
+        <p:nvSpPr>
+          <p:cNvPr id="2" name="Espace réservé de l'image des diapositives 1"/>
+          <p:cNvSpPr>
+            <a:spLocks noGrp="1" noRot="1" noChangeAspect="1"/>
+          </p:cNvSpPr>
+          <p:nvPr>
+            <p:ph type="sldImg"/>
+          </p:nvPr>
+        </p:nvSpPr>
+        <p:spPr/>
+      </p:sp>
+      <p:sp>
+        <p:nvSpPr>
+          <p:cNvPr id="3" name="Espace réservé des commentaires 2"/>
+          <p:cNvSpPr>
+            <a:spLocks noGrp="1"/>
+          </p:cNvSpPr>
+          <p:nvPr>
+            <p:ph type="body" idx="1"/>
+          </p:nvPr>
+        </p:nvSpPr>
+        <p:spPr/>
+        <p:txBody>
+          <a:bodyPr/>
+          <a:lstStyle/>
+          <a:p>
+            <a:endParaRPr lang="fr-FR"/>
+          </a:p>
+        </p:txBody>
+      </p:sp>
+      <p:sp>
+        <p:nvSpPr>
+          <p:cNvPr id="4" name="Espace réservé du numéro de diapositive 3"/>
+          <p:cNvSpPr>
+            <a:spLocks noGrp="1"/>
+          </p:cNvSpPr>
+          <p:nvPr>
+            <p:ph type="sldNum" sz="quarter" idx="10"/>
+          </p:nvPr>
+        </p:nvSpPr>
+        <p:spPr/>
+        <p:txBody>
+          <a:bodyPr/>
+          <a:lstStyle/>
+          <a:p>
+            <a:fld id="{E3C635E7-19D6-4BEE-ADBD-2FFC2A8D448F}" type="slidenum">
+              <a:rPr lang="fr-FR" smtClean="0"/>
+              <a:t>1</a:t>
+            </a:fld>
+            <a:endParaRPr lang="fr-FR"/>
+          </a:p>
+        </p:txBody>
+      </p:sp>
+    </p:spTree>
+    <p:extLst>
+      <p:ext uri="{BB962C8B-B14F-4D97-AF65-F5344CB8AC3E}">
+        <p14:creationId xmlns:p14="http://schemas.microsoft.com/office/powerpoint/2010/main" val="1429053381"/>
+      </p:ext>
+    </p:extLst>
+  </p:cSld>
+  <p:clrMapOvr>
+    <a:masterClrMapping/>
+  </p:clrMapOvr>
+</p:notes>
 </file>
 
 <file path=ppt/slideLayouts/slideLayout1.xml><?xml version="1.0" encoding="utf-8"?>
@@ -513,7 +950,7 @@
           <a:bodyPr/>
           <a:lstStyle/>
           <a:p>
-            <a:fld id="{FD353057-A310-4F17-A545-033A9EC0A4E4}" type="datetimeFigureOut">
+            <a:fld id="{418D9077-E957-4FAA-A128-8930790884D5}" type="datetime1">
               <a:rPr lang="fr-FR" smtClean="0"/>
               <a:t>14/03/2018</a:t>
             </a:fld>
@@ -779,7 +1216,7 @@
           <a:bodyPr/>
           <a:lstStyle/>
           <a:p>
-            <a:fld id="{FD353057-A310-4F17-A545-033A9EC0A4E4}" type="datetimeFigureOut">
+            <a:fld id="{8CAD2399-41D8-45EA-96B8-ECC33F2C4D07}" type="datetime1">
               <a:rPr lang="fr-FR" smtClean="0"/>
               <a:t>14/03/2018</a:t>
             </a:fld>
@@ -1029,7 +1466,7 @@
           <a:bodyPr/>
           <a:lstStyle/>
           <a:p>
-            <a:fld id="{FD353057-A310-4F17-A545-033A9EC0A4E4}" type="datetimeFigureOut">
+            <a:fld id="{98017C8A-B364-40A9-B025-E4ECEC8A329B}" type="datetime1">
               <a:rPr lang="fr-FR" smtClean="0"/>
               <a:t>14/03/2018</a:t>
             </a:fld>
@@ -1337,7 +1774,7 @@
           <a:bodyPr/>
           <a:lstStyle/>
           <a:p>
-            <a:fld id="{FD353057-A310-4F17-A545-033A9EC0A4E4}" type="datetimeFigureOut">
+            <a:fld id="{D258630A-A904-4FA9-98CF-685A2DD9A621}" type="datetime1">
               <a:rPr lang="fr-FR" smtClean="0"/>
               <a:t>14/03/2018</a:t>
             </a:fld>
@@ -1655,7 +2092,7 @@
           <a:bodyPr/>
           <a:lstStyle/>
           <a:p>
-            <a:fld id="{FD353057-A310-4F17-A545-033A9EC0A4E4}" type="datetimeFigureOut">
+            <a:fld id="{B0D36F39-9CCA-4AE6-9C63-897499C694BF}" type="datetime1">
               <a:rPr lang="fr-FR" smtClean="0"/>
               <a:t>14/03/2018</a:t>
             </a:fld>
@@ -1957,7 +2394,7 @@
           <a:bodyPr/>
           <a:lstStyle/>
           <a:p>
-            <a:fld id="{FD353057-A310-4F17-A545-033A9EC0A4E4}" type="datetimeFigureOut">
+            <a:fld id="{BECFD8DD-E703-4D68-A45A-E1EC7DAFA8C3}" type="datetime1">
               <a:rPr lang="fr-FR" smtClean="0"/>
               <a:t>14/03/2018</a:t>
             </a:fld>
@@ -2324,7 +2761,7 @@
           <a:bodyPr/>
           <a:lstStyle/>
           <a:p>
-            <a:fld id="{FD353057-A310-4F17-A545-033A9EC0A4E4}" type="datetimeFigureOut">
+            <a:fld id="{B0EEC47E-6BC9-4298-AC89-7FB0DE4B8043}" type="datetime1">
               <a:rPr lang="fr-FR" smtClean="0"/>
               <a:t>14/03/2018</a:t>
             </a:fld>
@@ -2510,7 +2947,7 @@
           <a:bodyPr/>
           <a:lstStyle/>
           <a:p>
-            <a:fld id="{FD353057-A310-4F17-A545-033A9EC0A4E4}" type="datetimeFigureOut">
+            <a:fld id="{31999188-10D9-4289-97FF-424CD44F474C}" type="datetime1">
               <a:rPr lang="fr-FR" smtClean="0"/>
               <a:t>14/03/2018</a:t>
             </a:fld>
@@ -2696,7 +3133,7 @@
           <a:bodyPr/>
           <a:lstStyle/>
           <a:p>
-            <a:fld id="{FD353057-A310-4F17-A545-033A9EC0A4E4}" type="datetimeFigureOut">
+            <a:fld id="{AFE9269C-4B0B-4208-ABA6-40BB8306B04F}" type="datetime1">
               <a:rPr lang="fr-FR" smtClean="0"/>
               <a:t>14/03/2018</a:t>
             </a:fld>
@@ -2876,7 +3313,7 @@
           <a:bodyPr/>
           <a:lstStyle/>
           <a:p>
-            <a:fld id="{FD353057-A310-4F17-A545-033A9EC0A4E4}" type="datetimeFigureOut">
+            <a:fld id="{1324B63B-B598-427E-A7FD-9E2DF6A670EA}" type="datetime1">
               <a:rPr lang="fr-FR" smtClean="0"/>
               <a:t>14/03/2018</a:t>
             </a:fld>
@@ -3126,7 +3563,7 @@
           <a:bodyPr/>
           <a:lstStyle/>
           <a:p>
-            <a:fld id="{FD353057-A310-4F17-A545-033A9EC0A4E4}" type="datetimeFigureOut">
+            <a:fld id="{C657F780-99F0-4C18-B6DF-604B5F100F44}" type="datetime1">
               <a:rPr lang="fr-FR" smtClean="0"/>
               <a:t>14/03/2018</a:t>
             </a:fld>
@@ -3373,7 +3810,7 @@
           <a:bodyPr/>
           <a:lstStyle/>
           <a:p>
-            <a:fld id="{FD353057-A310-4F17-A545-033A9EC0A4E4}" type="datetimeFigureOut">
+            <a:fld id="{A2323C10-4F4F-442D-BD2E-F8946BCA5FFF}" type="datetime1">
               <a:rPr lang="fr-FR" smtClean="0"/>
               <a:t>14/03/2018</a:t>
             </a:fld>
@@ -3762,7 +4199,7 @@
           <a:bodyPr/>
           <a:lstStyle/>
           <a:p>
-            <a:fld id="{FD353057-A310-4F17-A545-033A9EC0A4E4}" type="datetimeFigureOut">
+            <a:fld id="{9808BCDC-0BC3-40BF-9164-6E2FA790C8E1}" type="datetime1">
               <a:rPr lang="fr-FR" smtClean="0"/>
               <a:t>14/03/2018</a:t>
             </a:fld>
@@ -3891,7 +4328,7 @@
           <a:bodyPr/>
           <a:lstStyle/>
           <a:p>
-            <a:fld id="{FD353057-A310-4F17-A545-033A9EC0A4E4}" type="datetimeFigureOut">
+            <a:fld id="{58CBC411-4ABE-46D0-A369-F5DC600D9D6B}" type="datetime1">
               <a:rPr lang="fr-FR" smtClean="0"/>
               <a:t>14/03/2018</a:t>
             </a:fld>
@@ -3986,7 +4423,7 @@
           <a:bodyPr/>
           <a:lstStyle/>
           <a:p>
-            <a:fld id="{FD353057-A310-4F17-A545-033A9EC0A4E4}" type="datetimeFigureOut">
+            <a:fld id="{821D92EC-165C-4ED9-A221-FA53A2E4FE13}" type="datetime1">
               <a:rPr lang="fr-FR" smtClean="0"/>
               <a:t>14/03/2018</a:t>
             </a:fld>
@@ -4241,7 +4678,7 @@
           <a:bodyPr/>
           <a:lstStyle/>
           <a:p>
-            <a:fld id="{FD353057-A310-4F17-A545-033A9EC0A4E4}" type="datetimeFigureOut">
+            <a:fld id="{88812928-F6FF-4F50-8BA2-93644B9F30C3}" type="datetime1">
               <a:rPr lang="fr-FR" smtClean="0"/>
               <a:t>14/03/2018</a:t>
             </a:fld>
@@ -4524,7 +4961,7 @@
           <a:bodyPr/>
           <a:lstStyle/>
           <a:p>
-            <a:fld id="{FD353057-A310-4F17-A545-033A9EC0A4E4}" type="datetimeFigureOut">
+            <a:fld id="{E143AEEA-0870-4173-9735-15B11344CCD3}" type="datetime1">
               <a:rPr lang="fr-FR" smtClean="0"/>
               <a:t>14/03/2018</a:t>
             </a:fld>
@@ -4935,7 +5372,7 @@
             </a:lvl1pPr>
           </a:lstStyle>
           <a:p>
-            <a:fld id="{FD353057-A310-4F17-A545-033A9EC0A4E4}" type="datetimeFigureOut">
+            <a:fld id="{1C8C4F4A-1B1C-4539-8394-6C3FC0B13062}" type="datetime1">
               <a:rPr lang="fr-FR" smtClean="0"/>
               <a:t>14/03/2018</a:t>
             </a:fld>
@@ -5052,6 +5489,7 @@
     <p:sldLayoutId id="2147483688" r:id="rId16"/>
     <p:sldLayoutId id="2147483689" r:id="rId17"/>
   </p:sldLayoutIdLst>
+  <p:hf hdr="0" ftr="0" dt="0"/>
   <p:txStyles>
     <p:titleStyle>
       <a:lvl1pPr algn="l" defTabSz="457200" rtl="0" eaLnBrk="1" latinLnBrk="0" hangingPunct="1">
@@ -5638,7 +6076,7 @@
           <p:nvPr/>
         </p:nvPicPr>
         <p:blipFill>
-          <a:blip r:embed="rId2">
+          <a:blip r:embed="rId3">
             <a:extLst>
               <a:ext uri="{28A0092B-C50C-407E-A947-70E740481C1C}">
                 <a14:useLocalDpi xmlns:a14="http://schemas.microsoft.com/office/drawing/2010/main" val="0"/>
@@ -5652,7 +6090,7 @@
         </p:blipFill>
         <p:spPr bwMode="auto">
           <a:xfrm>
-            <a:off x="5837437" y="5756132"/>
+            <a:off x="1222697" y="5756132"/>
             <a:ext cx="3079115" cy="955675"/>
           </a:xfrm>
           <a:prstGeom prst="rect">
@@ -5671,7 +6109,7 @@
           <p:nvPr/>
         </p:nvPicPr>
         <p:blipFill>
-          <a:blip r:embed="rId3" cstate="print">
+          <a:blip r:embed="rId4" cstate="print">
             <a:extLst>
               <a:ext uri="{28A0092B-C50C-407E-A947-70E740481C1C}">
                 <a14:useLocalDpi xmlns:a14="http://schemas.microsoft.com/office/drawing/2010/main" val="0"/>
@@ -5685,7 +6123,7 @@
         </p:blipFill>
         <p:spPr bwMode="auto">
           <a:xfrm>
-            <a:off x="4773812" y="5808837"/>
+            <a:off x="159072" y="5808837"/>
             <a:ext cx="871855" cy="871855"/>
           </a:xfrm>
           <a:prstGeom prst="rect">
@@ -5706,7 +6144,7 @@
           <p:nvPr/>
         </p:nvPicPr>
         <p:blipFill>
-          <a:blip r:embed="rId4">
+          <a:blip r:embed="rId5">
             <a:extLst>
               <a:ext uri="{28A0092B-C50C-407E-A947-70E740481C1C}">
                 <a14:useLocalDpi xmlns:a14="http://schemas.microsoft.com/office/drawing/2010/main" val="0"/>
@@ -5738,6 +6176,29 @@
           </a:extLst>
         </p:spPr>
       </p:pic>
+      <p:sp>
+        <p:nvSpPr>
+          <p:cNvPr id="7" name="Espace réservé du numéro de diapositive 6"/>
+          <p:cNvSpPr>
+            <a:spLocks noGrp="1"/>
+          </p:cNvSpPr>
+          <p:nvPr>
+            <p:ph type="sldNum" sz="quarter" idx="12"/>
+          </p:nvPr>
+        </p:nvSpPr>
+        <p:spPr/>
+        <p:txBody>
+          <a:bodyPr/>
+          <a:lstStyle/>
+          <a:p>
+            <a:fld id="{B1445DE9-CCD6-4C91-931A-79982A72F41B}" type="slidenum">
+              <a:rPr lang="fr-FR" smtClean="0"/>
+              <a:t>1</a:t>
+            </a:fld>
+            <a:endParaRPr lang="fr-FR"/>
+          </a:p>
+        </p:txBody>
+      </p:sp>
     </p:spTree>
     <p:extLst>
       <p:ext uri="{BB962C8B-B14F-4D97-AF65-F5344CB8AC3E}">
@@ -5913,6 +6374,29 @@
           </a:p>
         </p:txBody>
       </p:sp>
+      <p:sp>
+        <p:nvSpPr>
+          <p:cNvPr id="4" name="Espace réservé du numéro de diapositive 3"/>
+          <p:cNvSpPr>
+            <a:spLocks noGrp="1"/>
+          </p:cNvSpPr>
+          <p:nvPr>
+            <p:ph type="sldNum" sz="quarter" idx="12"/>
+          </p:nvPr>
+        </p:nvSpPr>
+        <p:spPr/>
+        <p:txBody>
+          <a:bodyPr/>
+          <a:lstStyle/>
+          <a:p>
+            <a:fld id="{B1445DE9-CCD6-4C91-931A-79982A72F41B}" type="slidenum">
+              <a:rPr lang="fr-FR" smtClean="0"/>
+              <a:t>10</a:t>
+            </a:fld>
+            <a:endParaRPr lang="fr-FR"/>
+          </a:p>
+        </p:txBody>
+      </p:sp>
     </p:spTree>
     <p:extLst>
       <p:ext uri="{BB962C8B-B14F-4D97-AF65-F5344CB8AC3E}">
@@ -6029,6 +6513,29 @@
           </a:p>
         </p:txBody>
       </p:sp>
+      <p:sp>
+        <p:nvSpPr>
+          <p:cNvPr id="4" name="Espace réservé du numéro de diapositive 3"/>
+          <p:cNvSpPr>
+            <a:spLocks noGrp="1"/>
+          </p:cNvSpPr>
+          <p:nvPr>
+            <p:ph type="sldNum" sz="quarter" idx="12"/>
+          </p:nvPr>
+        </p:nvSpPr>
+        <p:spPr/>
+        <p:txBody>
+          <a:bodyPr/>
+          <a:lstStyle/>
+          <a:p>
+            <a:fld id="{B1445DE9-CCD6-4C91-931A-79982A72F41B}" type="slidenum">
+              <a:rPr lang="fr-FR" smtClean="0"/>
+              <a:t>11</a:t>
+            </a:fld>
+            <a:endParaRPr lang="fr-FR"/>
+          </a:p>
+        </p:txBody>
+      </p:sp>
     </p:spTree>
     <p:extLst>
       <p:ext uri="{BB962C8B-B14F-4D97-AF65-F5344CB8AC3E}">
@@ -6185,6 +6692,29 @@
           </a:p>
         </p:txBody>
       </p:sp>
+      <p:sp>
+        <p:nvSpPr>
+          <p:cNvPr id="4" name="Espace réservé du numéro de diapositive 3"/>
+          <p:cNvSpPr>
+            <a:spLocks noGrp="1"/>
+          </p:cNvSpPr>
+          <p:nvPr>
+            <p:ph type="sldNum" sz="quarter" idx="12"/>
+          </p:nvPr>
+        </p:nvSpPr>
+        <p:spPr/>
+        <p:txBody>
+          <a:bodyPr/>
+          <a:lstStyle/>
+          <a:p>
+            <a:fld id="{B1445DE9-CCD6-4C91-931A-79982A72F41B}" type="slidenum">
+              <a:rPr lang="fr-FR" smtClean="0"/>
+              <a:t>12</a:t>
+            </a:fld>
+            <a:endParaRPr lang="fr-FR"/>
+          </a:p>
+        </p:txBody>
+      </p:sp>
     </p:spTree>
     <p:extLst>
       <p:ext uri="{BB962C8B-B14F-4D97-AF65-F5344CB8AC3E}">
@@ -6434,6 +6964,29 @@
           </a:p>
         </p:txBody>
       </p:sp>
+      <p:sp>
+        <p:nvSpPr>
+          <p:cNvPr id="4" name="Espace réservé du numéro de diapositive 3"/>
+          <p:cNvSpPr>
+            <a:spLocks noGrp="1"/>
+          </p:cNvSpPr>
+          <p:nvPr>
+            <p:ph type="sldNum" sz="quarter" idx="12"/>
+          </p:nvPr>
+        </p:nvSpPr>
+        <p:spPr/>
+        <p:txBody>
+          <a:bodyPr/>
+          <a:lstStyle/>
+          <a:p>
+            <a:fld id="{B1445DE9-CCD6-4C91-931A-79982A72F41B}" type="slidenum">
+              <a:rPr lang="fr-FR" smtClean="0"/>
+              <a:t>13</a:t>
+            </a:fld>
+            <a:endParaRPr lang="fr-FR"/>
+          </a:p>
+        </p:txBody>
+      </p:sp>
     </p:spTree>
     <p:extLst>
       <p:ext uri="{BB962C8B-B14F-4D97-AF65-F5344CB8AC3E}">
@@ -6654,6 +7207,29 @@
           </a:p>
         </p:txBody>
       </p:sp>
+      <p:sp>
+        <p:nvSpPr>
+          <p:cNvPr id="4" name="Espace réservé du numéro de diapositive 3"/>
+          <p:cNvSpPr>
+            <a:spLocks noGrp="1"/>
+          </p:cNvSpPr>
+          <p:nvPr>
+            <p:ph type="sldNum" sz="quarter" idx="12"/>
+          </p:nvPr>
+        </p:nvSpPr>
+        <p:spPr/>
+        <p:txBody>
+          <a:bodyPr/>
+          <a:lstStyle/>
+          <a:p>
+            <a:fld id="{B1445DE9-CCD6-4C91-931A-79982A72F41B}" type="slidenum">
+              <a:rPr lang="fr-FR" smtClean="0"/>
+              <a:t>14</a:t>
+            </a:fld>
+            <a:endParaRPr lang="fr-FR"/>
+          </a:p>
+        </p:txBody>
+      </p:sp>
     </p:spTree>
     <p:extLst>
       <p:ext uri="{BB962C8B-B14F-4D97-AF65-F5344CB8AC3E}">
@@ -6715,6 +7291,29 @@
           </a:p>
         </p:txBody>
       </p:sp>
+      <p:sp>
+        <p:nvSpPr>
+          <p:cNvPr id="4" name="Espace réservé du numéro de diapositive 3"/>
+          <p:cNvSpPr>
+            <a:spLocks noGrp="1"/>
+          </p:cNvSpPr>
+          <p:nvPr>
+            <p:ph type="sldNum" sz="quarter" idx="12"/>
+          </p:nvPr>
+        </p:nvSpPr>
+        <p:spPr/>
+        <p:txBody>
+          <a:bodyPr/>
+          <a:lstStyle/>
+          <a:p>
+            <a:fld id="{B1445DE9-CCD6-4C91-931A-79982A72F41B}" type="slidenum">
+              <a:rPr lang="fr-FR" smtClean="0"/>
+              <a:t>15</a:t>
+            </a:fld>
+            <a:endParaRPr lang="fr-FR"/>
+          </a:p>
+        </p:txBody>
+      </p:sp>
     </p:spTree>
     <p:extLst>
       <p:ext uri="{BB962C8B-B14F-4D97-AF65-F5344CB8AC3E}">
@@ -6794,6 +7393,29 @@
           </a:prstGeom>
         </p:spPr>
       </p:pic>
+      <p:sp>
+        <p:nvSpPr>
+          <p:cNvPr id="6" name="Espace réservé du numéro de diapositive 5"/>
+          <p:cNvSpPr>
+            <a:spLocks noGrp="1"/>
+          </p:cNvSpPr>
+          <p:nvPr>
+            <p:ph type="sldNum" sz="quarter" idx="12"/>
+          </p:nvPr>
+        </p:nvSpPr>
+        <p:spPr/>
+        <p:txBody>
+          <a:bodyPr/>
+          <a:lstStyle/>
+          <a:p>
+            <a:fld id="{B1445DE9-CCD6-4C91-931A-79982A72F41B}" type="slidenum">
+              <a:rPr lang="fr-FR" smtClean="0"/>
+              <a:t>16</a:t>
+            </a:fld>
+            <a:endParaRPr lang="fr-FR"/>
+          </a:p>
+        </p:txBody>
+      </p:sp>
     </p:spTree>
     <p:extLst>
       <p:ext uri="{BB962C8B-B14F-4D97-AF65-F5344CB8AC3E}">
@@ -7036,6 +7658,29 @@
           </a:extLst>
         </p:spPr>
       </p:pic>
+      <p:sp>
+        <p:nvSpPr>
+          <p:cNvPr id="5" name="Espace réservé du numéro de diapositive 4"/>
+          <p:cNvSpPr>
+            <a:spLocks noGrp="1"/>
+          </p:cNvSpPr>
+          <p:nvPr>
+            <p:ph type="sldNum" sz="quarter" idx="12"/>
+          </p:nvPr>
+        </p:nvSpPr>
+        <p:spPr/>
+        <p:txBody>
+          <a:bodyPr/>
+          <a:lstStyle/>
+          <a:p>
+            <a:fld id="{B1445DE9-CCD6-4C91-931A-79982A72F41B}" type="slidenum">
+              <a:rPr lang="fr-FR" smtClean="0"/>
+              <a:t>2</a:t>
+            </a:fld>
+            <a:endParaRPr lang="fr-FR"/>
+          </a:p>
+        </p:txBody>
+      </p:sp>
     </p:spTree>
     <p:extLst>
       <p:ext uri="{BB962C8B-B14F-4D97-AF65-F5344CB8AC3E}">
@@ -7186,6 +7831,29 @@
               </a:rPr>
               <a:t>Prix élevé des portables satellitaires</a:t>
             </a:r>
+          </a:p>
+        </p:txBody>
+      </p:sp>
+      <p:sp>
+        <p:nvSpPr>
+          <p:cNvPr id="4" name="Espace réservé du numéro de diapositive 3"/>
+          <p:cNvSpPr>
+            <a:spLocks noGrp="1"/>
+          </p:cNvSpPr>
+          <p:nvPr>
+            <p:ph type="sldNum" sz="quarter" idx="12"/>
+          </p:nvPr>
+        </p:nvSpPr>
+        <p:spPr/>
+        <p:txBody>
+          <a:bodyPr/>
+          <a:lstStyle/>
+          <a:p>
+            <a:fld id="{B1445DE9-CCD6-4C91-931A-79982A72F41B}" type="slidenum">
+              <a:rPr lang="fr-FR" smtClean="0"/>
+              <a:t>3</a:t>
+            </a:fld>
+            <a:endParaRPr lang="fr-FR"/>
           </a:p>
         </p:txBody>
       </p:sp>
@@ -7786,6 +8454,29 @@
           </a:ln>
         </p:spPr>
       </p:pic>
+      <p:sp>
+        <p:nvSpPr>
+          <p:cNvPr id="20" name="Espace réservé du numéro de diapositive 19"/>
+          <p:cNvSpPr>
+            <a:spLocks noGrp="1"/>
+          </p:cNvSpPr>
+          <p:nvPr>
+            <p:ph type="sldNum" sz="quarter" idx="12"/>
+          </p:nvPr>
+        </p:nvSpPr>
+        <p:spPr/>
+        <p:txBody>
+          <a:bodyPr/>
+          <a:lstStyle/>
+          <a:p>
+            <a:fld id="{B1445DE9-CCD6-4C91-931A-79982A72F41B}" type="slidenum">
+              <a:rPr lang="fr-FR" smtClean="0"/>
+              <a:t>4</a:t>
+            </a:fld>
+            <a:endParaRPr lang="fr-FR"/>
+          </a:p>
+        </p:txBody>
+      </p:sp>
     </p:spTree>
     <p:extLst>
       <p:ext uri="{BB962C8B-B14F-4D97-AF65-F5344CB8AC3E}">
@@ -7950,7 +8641,23 @@
                   <a:schemeClr val="bg1"/>
                 </a:solidFill>
               </a:rPr>
-              <a:t>Notifications push</a:t>
+              <a:t>Notifications push (</a:t>
+            </a:r>
+            <a:r>
+              <a:rPr lang="fr-FR" dirty="0" err="1" smtClean="0">
+                <a:solidFill>
+                  <a:schemeClr val="bg1"/>
+                </a:solidFill>
+              </a:rPr>
+              <a:t>FireBase</a:t>
+            </a:r>
+            <a:r>
+              <a:rPr lang="fr-FR" dirty="0" smtClean="0">
+                <a:solidFill>
+                  <a:schemeClr val="bg1"/>
+                </a:solidFill>
+              </a:rPr>
+              <a:t>)</a:t>
             </a:r>
           </a:p>
           <a:p>
@@ -8061,6 +8768,70 @@
           </a:extLst>
         </p:spPr>
       </p:pic>
+      <p:pic>
+        <p:nvPicPr>
+          <p:cNvPr id="2054" name="Picture 6" descr="Résultat de recherche d'images pour &quot;firebase&quot;"/>
+          <p:cNvPicPr>
+            <a:picLocks noChangeAspect="1" noChangeArrowheads="1"/>
+          </p:cNvPicPr>
+          <p:nvPr/>
+        </p:nvPicPr>
+        <p:blipFill>
+          <a:blip r:embed="rId4" cstate="print">
+            <a:extLst>
+              <a:ext uri="{28A0092B-C50C-407E-A947-70E740481C1C}">
+                <a14:useLocalDpi xmlns:a14="http://schemas.microsoft.com/office/drawing/2010/main" val="0"/>
+              </a:ext>
+            </a:extLst>
+          </a:blip>
+          <a:srcRect/>
+          <a:stretch>
+            <a:fillRect/>
+          </a:stretch>
+        </p:blipFill>
+        <p:spPr bwMode="auto">
+          <a:xfrm>
+            <a:off x="6351545" y="3751900"/>
+            <a:ext cx="2143102" cy="1098340"/>
+          </a:xfrm>
+          <a:prstGeom prst="rect">
+            <a:avLst/>
+          </a:prstGeom>
+          <a:noFill/>
+          <a:extLst>
+            <a:ext uri="{909E8E84-426E-40DD-AFC4-6F175D3DCCD1}">
+              <a14:hiddenFill xmlns:a14="http://schemas.microsoft.com/office/drawing/2010/main">
+                <a:solidFill>
+                  <a:srgbClr val="FFFFFF"/>
+                </a:solidFill>
+              </a14:hiddenFill>
+            </a:ext>
+          </a:extLst>
+        </p:spPr>
+      </p:pic>
+      <p:sp>
+        <p:nvSpPr>
+          <p:cNvPr id="4" name="Espace réservé du numéro de diapositive 3"/>
+          <p:cNvSpPr>
+            <a:spLocks noGrp="1"/>
+          </p:cNvSpPr>
+          <p:nvPr>
+            <p:ph type="sldNum" sz="quarter" idx="12"/>
+          </p:nvPr>
+        </p:nvSpPr>
+        <p:spPr/>
+        <p:txBody>
+          <a:bodyPr/>
+          <a:lstStyle/>
+          <a:p>
+            <a:fld id="{B1445DE9-CCD6-4C91-931A-79982A72F41B}" type="slidenum">
+              <a:rPr lang="fr-FR" smtClean="0"/>
+              <a:t>5</a:t>
+            </a:fld>
+            <a:endParaRPr lang="fr-FR"/>
+          </a:p>
+        </p:txBody>
+      </p:sp>
     </p:spTree>
     <p:extLst>
       <p:ext uri="{BB962C8B-B14F-4D97-AF65-F5344CB8AC3E}">
@@ -8136,7 +8907,7 @@
         </p:blipFill>
         <p:spPr>
           <a:xfrm>
-            <a:off x="3194970" y="3532084"/>
+            <a:off x="2571201" y="3156069"/>
             <a:ext cx="5631678" cy="3167819"/>
           </a:xfrm>
           <a:prstGeom prst="rect">
@@ -8433,6 +9204,29 @@
               </a:rPr>
               <a:t>Envoi de signaux d’alerte jusqu’à réactivation</a:t>
             </a:r>
+          </a:p>
+        </p:txBody>
+      </p:sp>
+      <p:sp>
+        <p:nvSpPr>
+          <p:cNvPr id="9" name="Espace réservé du numéro de diapositive 8"/>
+          <p:cNvSpPr>
+            <a:spLocks noGrp="1"/>
+          </p:cNvSpPr>
+          <p:nvPr>
+            <p:ph type="sldNum" sz="quarter" idx="12"/>
+          </p:nvPr>
+        </p:nvSpPr>
+        <p:spPr/>
+        <p:txBody>
+          <a:bodyPr/>
+          <a:lstStyle/>
+          <a:p>
+            <a:fld id="{B1445DE9-CCD6-4C91-931A-79982A72F41B}" type="slidenum">
+              <a:rPr lang="fr-FR" smtClean="0"/>
+              <a:t>6</a:t>
+            </a:fld>
+            <a:endParaRPr lang="fr-FR"/>
           </a:p>
         </p:txBody>
       </p:sp>
@@ -8586,7 +9380,7 @@
         </p:blipFill>
         <p:spPr>
           <a:xfrm>
-            <a:off x="4386506" y="4403221"/>
+            <a:off x="3435676" y="4104118"/>
             <a:ext cx="4338750" cy="2048854"/>
           </a:xfrm>
           <a:prstGeom prst="rect">
@@ -8594,6 +9388,29 @@
           </a:prstGeom>
         </p:spPr>
       </p:pic>
+      <p:sp>
+        <p:nvSpPr>
+          <p:cNvPr id="5" name="Espace réservé du numéro de diapositive 4"/>
+          <p:cNvSpPr>
+            <a:spLocks noGrp="1"/>
+          </p:cNvSpPr>
+          <p:nvPr>
+            <p:ph type="sldNum" sz="quarter" idx="12"/>
+          </p:nvPr>
+        </p:nvSpPr>
+        <p:spPr/>
+        <p:txBody>
+          <a:bodyPr/>
+          <a:lstStyle/>
+          <a:p>
+            <a:fld id="{B1445DE9-CCD6-4C91-931A-79982A72F41B}" type="slidenum">
+              <a:rPr lang="fr-FR" smtClean="0"/>
+              <a:t>7</a:t>
+            </a:fld>
+            <a:endParaRPr lang="fr-FR"/>
+          </a:p>
+        </p:txBody>
+      </p:sp>
     </p:spTree>
     <p:extLst>
       <p:ext uri="{BB962C8B-B14F-4D97-AF65-F5344CB8AC3E}">
@@ -8804,6 +9621,29 @@
           </a:extLst>
         </p:spPr>
       </p:pic>
+      <p:sp>
+        <p:nvSpPr>
+          <p:cNvPr id="4" name="Espace réservé du numéro de diapositive 3"/>
+          <p:cNvSpPr>
+            <a:spLocks noGrp="1"/>
+          </p:cNvSpPr>
+          <p:nvPr>
+            <p:ph type="sldNum" sz="quarter" idx="12"/>
+          </p:nvPr>
+        </p:nvSpPr>
+        <p:spPr/>
+        <p:txBody>
+          <a:bodyPr/>
+          <a:lstStyle/>
+          <a:p>
+            <a:fld id="{B1445DE9-CCD6-4C91-931A-79982A72F41B}" type="slidenum">
+              <a:rPr lang="fr-FR" smtClean="0"/>
+              <a:t>8</a:t>
+            </a:fld>
+            <a:endParaRPr lang="fr-FR"/>
+          </a:p>
+        </p:txBody>
+      </p:sp>
     </p:spTree>
     <p:extLst>
       <p:ext uri="{BB962C8B-B14F-4D97-AF65-F5344CB8AC3E}">
@@ -8881,6 +9721,29 @@
               <a:t> en réflexion</a:t>
             </a:r>
             <a:endParaRPr lang="fr-FR" dirty="0"/>
+          </a:p>
+        </p:txBody>
+      </p:sp>
+      <p:sp>
+        <p:nvSpPr>
+          <p:cNvPr id="4" name="Espace réservé du numéro de diapositive 3"/>
+          <p:cNvSpPr>
+            <a:spLocks noGrp="1"/>
+          </p:cNvSpPr>
+          <p:nvPr>
+            <p:ph type="sldNum" sz="quarter" idx="12"/>
+          </p:nvPr>
+        </p:nvSpPr>
+        <p:spPr/>
+        <p:txBody>
+          <a:bodyPr/>
+          <a:lstStyle/>
+          <a:p>
+            <a:fld id="{B1445DE9-CCD6-4C91-931A-79982A72F41B}" type="slidenum">
+              <a:rPr lang="fr-FR" smtClean="0"/>
+              <a:t>9</a:t>
+            </a:fld>
+            <a:endParaRPr lang="fr-FR"/>
           </a:p>
         </p:txBody>
       </p:sp>
@@ -9169,4 +10032,265 @@
     </a:ext>
   </a:extLst>
 </a:theme>
+</file>
+
+<file path=ppt/theme/theme2.xml><?xml version="1.0" encoding="utf-8"?>
+<a:theme xmlns:a="http://schemas.openxmlformats.org/drawingml/2006/main" name="Thème Office">
+  <a:themeElements>
+    <a:clrScheme name="Office">
+      <a:dk1>
+        <a:sysClr val="windowText" lastClr="000000"/>
+      </a:dk1>
+      <a:lt1>
+        <a:sysClr val="window" lastClr="FFFFFF"/>
+      </a:lt1>
+      <a:dk2>
+        <a:srgbClr val="44546A"/>
+      </a:dk2>
+      <a:lt2>
+        <a:srgbClr val="E7E6E6"/>
+      </a:lt2>
+      <a:accent1>
+        <a:srgbClr val="5B9BD5"/>
+      </a:accent1>
+      <a:accent2>
+        <a:srgbClr val="ED7D31"/>
+      </a:accent2>
+      <a:accent3>
+        <a:srgbClr val="A5A5A5"/>
+      </a:accent3>
+      <a:accent4>
+        <a:srgbClr val="FFC000"/>
+      </a:accent4>
+      <a:accent5>
+        <a:srgbClr val="4472C4"/>
+      </a:accent5>
+      <a:accent6>
+        <a:srgbClr val="70AD47"/>
+      </a:accent6>
+      <a:hlink>
+        <a:srgbClr val="0563C1"/>
+      </a:hlink>
+      <a:folHlink>
+        <a:srgbClr val="954F72"/>
+      </a:folHlink>
+    </a:clrScheme>
+    <a:fontScheme name="Office">
+      <a:majorFont>
+        <a:latin typeface="Calibri Light" panose="020F0302020204030204"/>
+        <a:ea typeface=""/>
+        <a:cs typeface=""/>
+        <a:font script="Jpan" typeface="ＭＳ Ｐゴシック"/>
+        <a:font script="Hang" typeface="맑은 고딕"/>
+        <a:font script="Hans" typeface="宋体"/>
+        <a:font script="Hant" typeface="新細明體"/>
+        <a:font script="Arab" typeface="Times New Roman"/>
+        <a:font script="Hebr" typeface="Times New Roman"/>
+        <a:font script="Thai" typeface="Angsana New"/>
+        <a:font script="Ethi" typeface="Nyala"/>
+        <a:font script="Beng" typeface="Vrinda"/>
+        <a:font script="Gujr" typeface="Shruti"/>
+        <a:font script="Khmr" typeface="MoolBoran"/>
+        <a:font script="Knda" typeface="Tunga"/>
+        <a:font script="Guru" typeface="Raavi"/>
+        <a:font script="Cans" typeface="Euphemia"/>
+        <a:font script="Cher" typeface="Plantagenet Cherokee"/>
+        <a:font script="Yiii" typeface="Microsoft Yi Baiti"/>
+        <a:font script="Tibt" typeface="Microsoft Himalaya"/>
+        <a:font script="Thaa" typeface="MV Boli"/>
+        <a:font script="Deva" typeface="Mangal"/>
+        <a:font script="Telu" typeface="Gautami"/>
+        <a:font script="Taml" typeface="Latha"/>
+        <a:font script="Syrc" typeface="Estrangelo Edessa"/>
+        <a:font script="Orya" typeface="Kalinga"/>
+        <a:font script="Mlym" typeface="Kartika"/>
+        <a:font script="Laoo" typeface="DokChampa"/>
+        <a:font script="Sinh" typeface="Iskoola Pota"/>
+        <a:font script="Mong" typeface="Mongolian Baiti"/>
+        <a:font script="Viet" typeface="Times New Roman"/>
+        <a:font script="Uigh" typeface="Microsoft Uighur"/>
+        <a:font script="Geor" typeface="Sylfaen"/>
+      </a:majorFont>
+      <a:minorFont>
+        <a:latin typeface="Calibri" panose="020F0502020204030204"/>
+        <a:ea typeface=""/>
+        <a:cs typeface=""/>
+        <a:font script="Jpan" typeface="ＭＳ Ｐゴシック"/>
+        <a:font script="Hang" typeface="맑은 고딕"/>
+        <a:font script="Hans" typeface="宋体"/>
+        <a:font script="Hant" typeface="新細明體"/>
+        <a:font script="Arab" typeface="Arial"/>
+        <a:font script="Hebr" typeface="Arial"/>
+        <a:font script="Thai" typeface="Cordia New"/>
+        <a:font script="Ethi" typeface="Nyala"/>
+        <a:font script="Beng" typeface="Vrinda"/>
+        <a:font script="Gujr" typeface="Shruti"/>
+        <a:font script="Khmr" typeface="DaunPenh"/>
+        <a:font script="Knda" typeface="Tunga"/>
+        <a:font script="Guru" typeface="Raavi"/>
+        <a:font script="Cans" typeface="Euphemia"/>
+        <a:font script="Cher" typeface="Plantagenet Cherokee"/>
+        <a:font script="Yiii" typeface="Microsoft Yi Baiti"/>
+        <a:font script="Tibt" typeface="Microsoft Himalaya"/>
+        <a:font script="Thaa" typeface="MV Boli"/>
+        <a:font script="Deva" typeface="Mangal"/>
+        <a:font script="Telu" typeface="Gautami"/>
+        <a:font script="Taml" typeface="Latha"/>
+        <a:font script="Syrc" typeface="Estrangelo Edessa"/>
+        <a:font script="Orya" typeface="Kalinga"/>
+        <a:font script="Mlym" typeface="Kartika"/>
+        <a:font script="Laoo" typeface="DokChampa"/>
+        <a:font script="Sinh" typeface="Iskoola Pota"/>
+        <a:font script="Mong" typeface="Mongolian Baiti"/>
+        <a:font script="Viet" typeface="Arial"/>
+        <a:font script="Uigh" typeface="Microsoft Uighur"/>
+        <a:font script="Geor" typeface="Sylfaen"/>
+      </a:minorFont>
+    </a:fontScheme>
+    <a:fmtScheme name="Office">
+      <a:fillStyleLst>
+        <a:solidFill>
+          <a:schemeClr val="phClr"/>
+        </a:solidFill>
+        <a:gradFill rotWithShape="1">
+          <a:gsLst>
+            <a:gs pos="0">
+              <a:schemeClr val="phClr">
+                <a:lumMod val="110000"/>
+                <a:satMod val="105000"/>
+                <a:tint val="67000"/>
+              </a:schemeClr>
+            </a:gs>
+            <a:gs pos="50000">
+              <a:schemeClr val="phClr">
+                <a:lumMod val="105000"/>
+                <a:satMod val="103000"/>
+                <a:tint val="73000"/>
+              </a:schemeClr>
+            </a:gs>
+            <a:gs pos="100000">
+              <a:schemeClr val="phClr">
+                <a:lumMod val="105000"/>
+                <a:satMod val="109000"/>
+                <a:tint val="81000"/>
+              </a:schemeClr>
+            </a:gs>
+          </a:gsLst>
+          <a:lin ang="5400000" scaled="0"/>
+        </a:gradFill>
+        <a:gradFill rotWithShape="1">
+          <a:gsLst>
+            <a:gs pos="0">
+              <a:schemeClr val="phClr">
+                <a:satMod val="103000"/>
+                <a:lumMod val="102000"/>
+                <a:tint val="94000"/>
+              </a:schemeClr>
+            </a:gs>
+            <a:gs pos="50000">
+              <a:schemeClr val="phClr">
+                <a:satMod val="110000"/>
+                <a:lumMod val="100000"/>
+                <a:shade val="100000"/>
+              </a:schemeClr>
+            </a:gs>
+            <a:gs pos="100000">
+              <a:schemeClr val="phClr">
+                <a:lumMod val="99000"/>
+                <a:satMod val="120000"/>
+                <a:shade val="78000"/>
+              </a:schemeClr>
+            </a:gs>
+          </a:gsLst>
+          <a:lin ang="5400000" scaled="0"/>
+        </a:gradFill>
+      </a:fillStyleLst>
+      <a:lnStyleLst>
+        <a:ln w="6350" cap="flat" cmpd="sng" algn="ctr">
+          <a:solidFill>
+            <a:schemeClr val="phClr"/>
+          </a:solidFill>
+          <a:prstDash val="solid"/>
+          <a:miter lim="800000"/>
+        </a:ln>
+        <a:ln w="12700" cap="flat" cmpd="sng" algn="ctr">
+          <a:solidFill>
+            <a:schemeClr val="phClr"/>
+          </a:solidFill>
+          <a:prstDash val="solid"/>
+          <a:miter lim="800000"/>
+        </a:ln>
+        <a:ln w="19050" cap="flat" cmpd="sng" algn="ctr">
+          <a:solidFill>
+            <a:schemeClr val="phClr"/>
+          </a:solidFill>
+          <a:prstDash val="solid"/>
+          <a:miter lim="800000"/>
+        </a:ln>
+      </a:lnStyleLst>
+      <a:effectStyleLst>
+        <a:effectStyle>
+          <a:effectLst/>
+        </a:effectStyle>
+        <a:effectStyle>
+          <a:effectLst/>
+        </a:effectStyle>
+        <a:effectStyle>
+          <a:effectLst>
+            <a:outerShdw blurRad="57150" dist="19050" dir="5400000" algn="ctr" rotWithShape="0">
+              <a:srgbClr val="000000">
+                <a:alpha val="63000"/>
+              </a:srgbClr>
+            </a:outerShdw>
+          </a:effectLst>
+        </a:effectStyle>
+      </a:effectStyleLst>
+      <a:bgFillStyleLst>
+        <a:solidFill>
+          <a:schemeClr val="phClr"/>
+        </a:solidFill>
+        <a:solidFill>
+          <a:schemeClr val="phClr">
+            <a:tint val="95000"/>
+            <a:satMod val="170000"/>
+          </a:schemeClr>
+        </a:solidFill>
+        <a:gradFill rotWithShape="1">
+          <a:gsLst>
+            <a:gs pos="0">
+              <a:schemeClr val="phClr">
+                <a:tint val="93000"/>
+                <a:satMod val="150000"/>
+                <a:shade val="98000"/>
+                <a:lumMod val="102000"/>
+              </a:schemeClr>
+            </a:gs>
+            <a:gs pos="50000">
+              <a:schemeClr val="phClr">
+                <a:tint val="98000"/>
+                <a:satMod val="130000"/>
+                <a:shade val="90000"/>
+                <a:lumMod val="103000"/>
+              </a:schemeClr>
+            </a:gs>
+            <a:gs pos="100000">
+              <a:schemeClr val="phClr">
+                <a:shade val="63000"/>
+                <a:satMod val="120000"/>
+              </a:schemeClr>
+            </a:gs>
+          </a:gsLst>
+          <a:lin ang="5400000" scaled="0"/>
+        </a:gradFill>
+      </a:bgFillStyleLst>
+    </a:fmtScheme>
+  </a:themeElements>
+  <a:objectDefaults/>
+  <a:extraClrSchemeLst/>
+  <a:extLst>
+    <a:ext uri="{05A4C25C-085E-4340-85A3-A5531E510DB2}">
+      <thm15:themeFamily xmlns:thm15="http://schemas.microsoft.com/office/thememl/2012/main" name="Office Theme" id="{62F939B6-93AF-4DB8-9C6B-D6C7DFDC589F}" vid="{4A3C46E8-61CC-4603-A589-7422A47A8E4A}"/>
+    </a:ext>
+  </a:extLst>
+</a:theme>
 </file>